--- a/_PowerPoints/1st Semester/Unit 4 Radians and Degrees/PreCalc_Day_029 Radians and Degrees.pptx
+++ b/_PowerPoints/1st Semester/Unit 4 Radians and Degrees/PreCalc_Day_029 Radians and Degrees.pptx
@@ -303,7 +303,7 @@
             <a:fld id="{87DE6118-2437-4B30-8E3C-4D2BE6020583}" type="datetimeFigureOut">
               <a:rPr lang="en-US" dirty="0"/>
               <a:pPr/>
-              <a:t>11/14/2017</a:t>
+              <a:t>11/26/2018</a:t>
             </a:fld>
             <a:endParaRPr lang="en-US" dirty="0"/>
           </a:p>
@@ -629,7 +629,7 @@
           <a:p>
             <a:fld id="{87DE6118-2437-4B30-8E3C-4D2BE6020583}" type="datetimeFigureOut">
               <a:rPr lang="en-US" dirty="0"/>
-              <a:t>11/14/2017</a:t>
+              <a:t>11/26/2018</a:t>
             </a:fld>
             <a:endParaRPr lang="en-US" dirty="0"/>
           </a:p>
@@ -804,7 +804,7 @@
           <a:p>
             <a:fld id="{87DE6118-2437-4B30-8E3C-4D2BE6020583}" type="datetimeFigureOut">
               <a:rPr lang="en-US" dirty="0"/>
-              <a:t>11/14/2017</a:t>
+              <a:t>11/26/2018</a:t>
             </a:fld>
             <a:endParaRPr lang="en-US" dirty="0"/>
           </a:p>
@@ -969,7 +969,7 @@
           <a:p>
             <a:fld id="{87DE6118-2437-4B30-8E3C-4D2BE6020583}" type="datetimeFigureOut">
               <a:rPr lang="en-US" dirty="0"/>
-              <a:t>11/14/2017</a:t>
+              <a:t>11/26/2018</a:t>
             </a:fld>
             <a:endParaRPr lang="en-US" dirty="0"/>
           </a:p>
@@ -1242,7 +1242,7 @@
             <a:fld id="{87DE6118-2437-4B30-8E3C-4D2BE6020583}" type="datetimeFigureOut">
               <a:rPr lang="en-US" dirty="0"/>
               <a:pPr/>
-              <a:t>11/14/2017</a:t>
+              <a:t>11/26/2018</a:t>
             </a:fld>
             <a:endParaRPr lang="en-US" dirty="0"/>
           </a:p>
@@ -1632,7 +1632,7 @@
           <a:p>
             <a:fld id="{87DE6118-2437-4B30-8E3C-4D2BE6020583}" type="datetimeFigureOut">
               <a:rPr lang="en-US" dirty="0"/>
-              <a:t>11/14/2017</a:t>
+              <a:t>11/26/2018</a:t>
             </a:fld>
             <a:endParaRPr lang="en-US" dirty="0"/>
           </a:p>
@@ -2104,7 +2104,7 @@
           <a:p>
             <a:fld id="{87DE6118-2437-4B30-8E3C-4D2BE6020583}" type="datetimeFigureOut">
               <a:rPr lang="en-US" dirty="0"/>
-              <a:t>11/14/2017</a:t>
+              <a:t>11/26/2018</a:t>
             </a:fld>
             <a:endParaRPr lang="en-US" dirty="0"/>
           </a:p>
@@ -2217,7 +2217,7 @@
           <a:p>
             <a:fld id="{87DE6118-2437-4B30-8E3C-4D2BE6020583}" type="datetimeFigureOut">
               <a:rPr lang="en-US" dirty="0"/>
-              <a:t>11/14/2017</a:t>
+              <a:t>11/26/2018</a:t>
             </a:fld>
             <a:endParaRPr lang="en-US" dirty="0"/>
           </a:p>
@@ -2307,7 +2307,7 @@
           <a:p>
             <a:fld id="{87DE6118-2437-4B30-8E3C-4D2BE6020583}" type="datetimeFigureOut">
               <a:rPr lang="en-US" dirty="0"/>
-              <a:t>11/14/2017</a:t>
+              <a:t>11/26/2018</a:t>
             </a:fld>
             <a:endParaRPr lang="en-US" dirty="0"/>
           </a:p>
@@ -2649,7 +2649,7 @@
             <a:fld id="{87DE6118-2437-4B30-8E3C-4D2BE6020583}" type="datetimeFigureOut">
               <a:rPr lang="en-US" dirty="0"/>
               <a:pPr/>
-              <a:t>11/14/2017</a:t>
+              <a:t>11/26/2018</a:t>
             </a:fld>
             <a:endParaRPr lang="en-US" dirty="0"/>
           </a:p>
@@ -3034,7 +3034,7 @@
             <a:fld id="{87DE6118-2437-4B30-8E3C-4D2BE6020583}" type="datetimeFigureOut">
               <a:rPr lang="en-US" dirty="0"/>
               <a:pPr/>
-              <a:t>11/14/2017</a:t>
+              <a:t>11/26/2018</a:t>
             </a:fld>
             <a:endParaRPr lang="en-US" dirty="0"/>
           </a:p>
@@ -3309,7 +3309,7 @@
             <a:fld id="{87DE6118-2437-4B30-8E3C-4D2BE6020583}" type="datetimeFigureOut">
               <a:rPr lang="en-US" dirty="0"/>
               <a:pPr/>
-              <a:t>11/14/2017</a:t>
+              <a:t>11/26/2018</a:t>
             </a:fld>
             <a:endParaRPr lang="en-US" dirty="0"/>
           </a:p>
@@ -4729,6 +4729,13 @@
   <p:clrMapOvr>
     <a:masterClrMapping/>
   </p:clrMapOvr>
+  <p:timing>
+    <p:tnLst>
+      <p:par>
+        <p:cTn id="1" dur="indefinite" restart="never" nodeType="tmRoot"/>
+      </p:par>
+    </p:tnLst>
+  </p:timing>
 </p:sld>
 </file>
 
@@ -4827,6 +4834,13 @@
   <p:clrMapOvr>
     <a:masterClrMapping/>
   </p:clrMapOvr>
+  <p:timing>
+    <p:tnLst>
+      <p:par>
+        <p:cTn id="1" dur="indefinite" restart="never" nodeType="tmRoot"/>
+      </p:par>
+    </p:tnLst>
+  </p:timing>
 </p:sld>
 </file>
 
@@ -5314,6 +5328,13 @@
   <p:clrMapOvr>
     <a:masterClrMapping/>
   </p:clrMapOvr>
+  <p:timing>
+    <p:tnLst>
+      <p:par>
+        <p:cTn id="1" dur="indefinite" restart="never" nodeType="tmRoot"/>
+      </p:par>
+    </p:tnLst>
+  </p:timing>
 </p:sld>
 </file>
 
@@ -5837,6 +5858,13 @@
   <p:clrMapOvr>
     <a:masterClrMapping/>
   </p:clrMapOvr>
+  <p:timing>
+    <p:tnLst>
+      <p:par>
+        <p:cTn id="1" dur="indefinite" restart="never" nodeType="tmRoot"/>
+      </p:par>
+    </p:tnLst>
+  </p:timing>
 </p:sld>
 </file>
 
@@ -6066,6 +6094,13 @@
   <p:clrMapOvr>
     <a:masterClrMapping/>
   </p:clrMapOvr>
+  <p:timing>
+    <p:tnLst>
+      <p:par>
+        <p:cTn id="1" dur="indefinite" restart="never" nodeType="tmRoot"/>
+      </p:par>
+    </p:tnLst>
+  </p:timing>
 </p:sld>
 </file>
 
@@ -6156,6 +6191,13 @@
   <p:clrMapOvr>
     <a:masterClrMapping/>
   </p:clrMapOvr>
+  <p:timing>
+    <p:tnLst>
+      <p:par>
+        <p:cTn id="1" dur="indefinite" restart="never" nodeType="tmRoot"/>
+      </p:par>
+    </p:tnLst>
+  </p:timing>
 </p:sld>
 </file>
 
@@ -6528,6 +6570,13 @@
   <p:clrMapOvr>
     <a:masterClrMapping/>
   </p:clrMapOvr>
+  <p:timing>
+    <p:tnLst>
+      <p:par>
+        <p:cTn id="1" dur="indefinite" restart="never" nodeType="tmRoot"/>
+      </p:par>
+    </p:tnLst>
+  </p:timing>
 </p:sld>
 </file>
 
@@ -6661,6 +6710,13 @@
   <p:clrMapOvr>
     <a:masterClrMapping/>
   </p:clrMapOvr>
+  <p:timing>
+    <p:tnLst>
+      <p:par>
+        <p:cTn id="1" dur="indefinite" restart="never" nodeType="tmRoot"/>
+      </p:par>
+    </p:tnLst>
+  </p:timing>
 </p:sld>
 </file>
 
@@ -6709,8 +6765,8 @@
           </a:p>
         </p:txBody>
       </p:sp>
-      <mc:AlternateContent xmlns:mc="http://schemas.openxmlformats.org/markup-compatibility/2006" xmlns:a14="http://schemas.microsoft.com/office/drawing/2010/main">
-        <mc:Choice Requires="a14">
+      <mc:AlternateContent xmlns:mc="http://schemas.openxmlformats.org/markup-compatibility/2006">
+        <mc:Choice xmlns:a14="http://schemas.microsoft.com/office/drawing/2010/main" Requires="a14">
           <p:sp>
             <p:nvSpPr>
               <p:cNvPr id="3" name="Content Placeholder 2"/>
@@ -7029,7 +7085,19 @@
                       <a:rPr lang="en-US" sz="3200" i="1">
                         <a:latin typeface="Cambria Math" panose="02040503050406030204" pitchFamily="18" charset="0"/>
                       </a:rPr>
-                      <m:t>=24 </m:t>
+                      <m:t>=24</m:t>
+                    </m:r>
+                    <m:r>
+                      <a:rPr lang="en-US" sz="3200" i="1">
+                        <a:latin typeface="Cambria Math" panose="02040503050406030204" pitchFamily="18" charset="0"/>
+                      </a:rPr>
+                      <m:t>𝜋</m:t>
+                    </m:r>
+                    <m:r>
+                      <a:rPr lang="en-US" sz="3200" b="0" i="1" smtClean="0">
+                        <a:latin typeface="Cambria Math" panose="02040503050406030204" pitchFamily="18" charset="0"/>
+                      </a:rPr>
+                      <m:t> </m:t>
                     </m:r>
                     <m:r>
                       <a:rPr lang="en-US" sz="3200" i="1">
@@ -7306,7 +7374,7 @@
             </p:txBody>
           </p:sp>
         </mc:Choice>
-        <mc:Fallback xmlns="">
+        <mc:Fallback>
           <p:sp>
             <p:nvSpPr>
               <p:cNvPr id="3" name="Content Placeholder 2"/>
@@ -7354,6 +7422,13 @@
   <p:clrMapOvr>
     <a:masterClrMapping/>
   </p:clrMapOvr>
+  <p:timing>
+    <p:tnLst>
+      <p:par>
+        <p:cTn id="1" dur="indefinite" restart="never" nodeType="tmRoot"/>
+      </p:par>
+    </p:tnLst>
+  </p:timing>
 </p:sld>
 </file>
 
@@ -7592,6 +7667,13 @@
   <p:clrMapOvr>
     <a:masterClrMapping/>
   </p:clrMapOvr>
+  <p:timing>
+    <p:tnLst>
+      <p:par>
+        <p:cTn id="1" dur="indefinite" restart="never" nodeType="tmRoot"/>
+      </p:par>
+    </p:tnLst>
+  </p:timing>
 </p:sld>
 </file>
 
@@ -7635,8 +7717,8 @@
           </a:p>
         </p:txBody>
       </p:sp>
-      <mc:AlternateContent xmlns:mc="http://schemas.openxmlformats.org/markup-compatibility/2006">
-        <mc:Choice xmlns:a14="http://schemas.microsoft.com/office/drawing/2010/main" Requires="a14">
+      <mc:AlternateContent xmlns:mc="http://schemas.openxmlformats.org/markup-compatibility/2006" xmlns:a14="http://schemas.microsoft.com/office/drawing/2010/main">
+        <mc:Choice Requires="a14">
           <p:sp>
             <p:nvSpPr>
               <p:cNvPr id="3" name="Content Placeholder 2"/>
@@ -8025,7 +8107,7 @@
             </p:txBody>
           </p:sp>
         </mc:Choice>
-        <mc:Fallback>
+        <mc:Fallback xmlns="">
           <p:sp>
             <p:nvSpPr>
               <p:cNvPr id="3" name="Content Placeholder 2"/>
@@ -8073,6 +8155,13 @@
   <p:clrMapOvr>
     <a:masterClrMapping/>
   </p:clrMapOvr>
+  <p:timing>
+    <p:tnLst>
+      <p:par>
+        <p:cTn id="1" dur="indefinite" restart="never" nodeType="tmRoot"/>
+      </p:par>
+    </p:tnLst>
+  </p:timing>
 </p:sld>
 </file>
 
@@ -8287,6 +8376,13 @@
   <p:clrMapOvr>
     <a:masterClrMapping/>
   </p:clrMapOvr>
+  <p:timing>
+    <p:tnLst>
+      <p:par>
+        <p:cTn id="1" dur="indefinite" restart="never" nodeType="tmRoot"/>
+      </p:par>
+    </p:tnLst>
+  </p:timing>
 </p:sld>
 </file>
 
@@ -8359,7 +8455,24 @@
           <a:p>
             <a:r>
               <a:rPr lang="en-US" sz="3400" b="1" dirty="0"/>
-              <a:t>Objective: Describe angles using radian and degree measure.</a:t>
+              <a:t>Objective: Describe angles using radian and degree measure</a:t>
+            </a:r>
+            <a:r>
+              <a:rPr lang="en-US" sz="3400" b="1" dirty="0" smtClean="0"/>
+              <a:t>.</a:t>
+            </a:r>
+          </a:p>
+          <a:p>
+            <a:endParaRPr lang="en-US" sz="3400" b="1" dirty="0"/>
+          </a:p>
+          <a:p>
+            <a:r>
+              <a:rPr lang="en-US" sz="3400" b="1" dirty="0" smtClean="0"/>
+              <a:t>HLQ: How are radians and degree measures similar </a:t>
+            </a:r>
+            <a:r>
+              <a:rPr lang="en-US" sz="3400" b="1" smtClean="0"/>
+              <a:t>and different? </a:t>
             </a:r>
             <a:endParaRPr lang="en-US" sz="3400" dirty="0"/>
           </a:p>
